--- a/SUBUSTA 포스터 판넬.pptx
+++ b/SUBUSTA 포스터 판넬.pptx
@@ -12094,7 +12094,7 @@
                 </a:solidFill>
                 <a:latin typeface="+mj-lt"/>
               </a:rPr>
-              <a:t>셔틀버스 상하차 시 알림 기능</a:t>
+              <a:t>셔틀버스 상하차 시 알림 기능 추가</a:t>
             </a:r>
             <a:endParaRPr lang="en-US" altLang="ko-KR" sz="4000">
               <a:solidFill>
@@ -12142,7 +12142,7 @@
                 </a:solidFill>
                 <a:latin typeface="+mj-lt"/>
               </a:rPr>
-              <a:t>다자녀 가정을 위한 계정 관리</a:t>
+              <a:t>다자녀 가정을 위한 계정 관리 구현</a:t>
             </a:r>
             <a:endParaRPr lang="en-US" altLang="ko-KR" sz="4000">
               <a:solidFill>
